--- a/Week-3/task-1.pptx
+++ b/Week-3/task-1.pptx
@@ -5,11 +5,11 @@
     <p:sldMasterId id="2147483648" r:id="rId1"/>
   </p:sldMasterIdLst>
   <p:sldIdLst>
-    <p:sldId id="256" r:id="rId7"/>
-    <p:sldId id="257" r:id="rId8"/>
-    <p:sldId id="258" r:id="rId9"/>
-    <p:sldId id="259" r:id="rId10"/>
-    <p:sldId id="260" r:id="rId11"/>
+    <p:sldId id="256" r:id="rId2"/>
+    <p:sldId id="257" r:id="rId3"/>
+    <p:sldId id="258" r:id="rId4"/>
+    <p:sldId id="259" r:id="rId5"/>
+    <p:sldId id="260" r:id="rId6"/>
   </p:sldIdLst>
   <p:sldSz cx="9144000" cy="6858000" type="screen4x3"/>
   <p:notesSz cx="6858000" cy="9144000"/>
@@ -108,6 +108,22 @@
       </a:defRPr>
     </a:lvl9pPr>
   </p:defaultTextStyle>
+  <p:extLst>
+    <p:ext uri="{EFAFB233-063F-42B5-8137-9DF3F51BA10A}">
+      <p15:sldGuideLst xmlns:p15="http://schemas.microsoft.com/office/powerpoint/2012/main">
+        <p15:guide id="1" orient="horz" pos="2160">
+          <p15:clr>
+            <a:srgbClr val="A4A3A4"/>
+          </p15:clr>
+        </p15:guide>
+        <p15:guide id="2" pos="2880">
+          <p15:clr>
+            <a:srgbClr val="A4A3A4"/>
+          </p15:clr>
+        </p15:guide>
+      </p15:sldGuideLst>
+    </p:ext>
+  </p:extLst>
 </p:presentation>
 </file>
 
@@ -149,10 +165,9 @@
           <a:lstStyle/>
           <a:p>
             <a:r>
-              <a:rPr lang="en-US" smtClean="0"/>
+              <a:rPr lang="en-US"/>
               <a:t>Click to edit Master title style</a:t>
             </a:r>
-            <a:endParaRPr lang="en-US"/>
           </a:p>
         </p:txBody>
       </p:sp>
@@ -268,10 +283,9 @@
           </a:lstStyle>
           <a:p>
             <a:r>
-              <a:rPr lang="en-US" smtClean="0"/>
+              <a:rPr lang="en-US"/>
               <a:t>Click to edit Master subtitle style</a:t>
             </a:r>
-            <a:endParaRPr lang="en-US"/>
           </a:p>
         </p:txBody>
       </p:sp>
@@ -292,7 +306,7 @@
           <a:p>
             <a:fld id="{5BCAD085-E8A6-8845-BD4E-CB4CCA059FC4}" type="datetimeFigureOut">
               <a:rPr lang="en-US" smtClean="0"/>
-              <a:t>1/27/13</a:t>
+              <a:t>7/2/25</a:t>
             </a:fld>
             <a:endParaRPr lang="en-US"/>
           </a:p>
@@ -386,10 +400,9 @@
           <a:lstStyle/>
           <a:p>
             <a:r>
-              <a:rPr lang="en-US" smtClean="0"/>
+              <a:rPr lang="en-US"/>
               <a:t>Click to edit Master title style</a:t>
             </a:r>
-            <a:endParaRPr lang="en-US"/>
           </a:p>
         </p:txBody>
       </p:sp>
@@ -410,38 +423,37 @@
           <a:p>
             <a:pPr lvl="0"/>
             <a:r>
-              <a:rPr lang="en-US" smtClean="0"/>
+              <a:rPr lang="en-US"/>
               <a:t>Click to edit Master text styles</a:t>
             </a:r>
           </a:p>
           <a:p>
             <a:pPr lvl="1"/>
             <a:r>
-              <a:rPr lang="en-US" smtClean="0"/>
+              <a:rPr lang="en-US"/>
               <a:t>Second level</a:t>
             </a:r>
           </a:p>
           <a:p>
             <a:pPr lvl="2"/>
             <a:r>
-              <a:rPr lang="en-US" smtClean="0"/>
+              <a:rPr lang="en-US"/>
               <a:t>Third level</a:t>
             </a:r>
           </a:p>
           <a:p>
             <a:pPr lvl="3"/>
             <a:r>
-              <a:rPr lang="en-US" smtClean="0"/>
+              <a:rPr lang="en-US"/>
               <a:t>Fourth level</a:t>
             </a:r>
           </a:p>
           <a:p>
             <a:pPr lvl="4"/>
             <a:r>
-              <a:rPr lang="en-US" smtClean="0"/>
+              <a:rPr lang="en-US"/>
               <a:t>Fifth level</a:t>
             </a:r>
-            <a:endParaRPr lang="en-US"/>
           </a:p>
         </p:txBody>
       </p:sp>
@@ -462,7 +474,7 @@
           <a:p>
             <a:fld id="{5BCAD085-E8A6-8845-BD4E-CB4CCA059FC4}" type="datetimeFigureOut">
               <a:rPr lang="en-US" smtClean="0"/>
-              <a:t>1/27/13</a:t>
+              <a:t>7/2/25</a:t>
             </a:fld>
             <a:endParaRPr lang="en-US"/>
           </a:p>
@@ -561,10 +573,9 @@
           <a:lstStyle/>
           <a:p>
             <a:r>
-              <a:rPr lang="en-US" smtClean="0"/>
+              <a:rPr lang="en-US"/>
               <a:t>Click to edit Master title style</a:t>
             </a:r>
-            <a:endParaRPr lang="en-US"/>
           </a:p>
         </p:txBody>
       </p:sp>
@@ -590,38 +601,37 @@
           <a:p>
             <a:pPr lvl="0"/>
             <a:r>
-              <a:rPr lang="en-US" smtClean="0"/>
+              <a:rPr lang="en-US"/>
               <a:t>Click to edit Master text styles</a:t>
             </a:r>
           </a:p>
           <a:p>
             <a:pPr lvl="1"/>
             <a:r>
-              <a:rPr lang="en-US" smtClean="0"/>
+              <a:rPr lang="en-US"/>
               <a:t>Second level</a:t>
             </a:r>
           </a:p>
           <a:p>
             <a:pPr lvl="2"/>
             <a:r>
-              <a:rPr lang="en-US" smtClean="0"/>
+              <a:rPr lang="en-US"/>
               <a:t>Third level</a:t>
             </a:r>
           </a:p>
           <a:p>
             <a:pPr lvl="3"/>
             <a:r>
-              <a:rPr lang="en-US" smtClean="0"/>
+              <a:rPr lang="en-US"/>
               <a:t>Fourth level</a:t>
             </a:r>
           </a:p>
           <a:p>
             <a:pPr lvl="4"/>
             <a:r>
-              <a:rPr lang="en-US" smtClean="0"/>
+              <a:rPr lang="en-US"/>
               <a:t>Fifth level</a:t>
             </a:r>
-            <a:endParaRPr lang="en-US"/>
           </a:p>
         </p:txBody>
       </p:sp>
@@ -642,7 +652,7 @@
           <a:p>
             <a:fld id="{5BCAD085-E8A6-8845-BD4E-CB4CCA059FC4}" type="datetimeFigureOut">
               <a:rPr lang="en-US" smtClean="0"/>
-              <a:t>1/27/13</a:t>
+              <a:t>7/2/25</a:t>
             </a:fld>
             <a:endParaRPr lang="en-US"/>
           </a:p>
@@ -736,10 +746,9 @@
           <a:lstStyle/>
           <a:p>
             <a:r>
-              <a:rPr lang="en-US" smtClean="0"/>
+              <a:rPr lang="en-US"/>
               <a:t>Click to edit Master title style</a:t>
             </a:r>
-            <a:endParaRPr lang="en-US"/>
           </a:p>
         </p:txBody>
       </p:sp>
@@ -760,38 +769,37 @@
           <a:p>
             <a:pPr lvl="0"/>
             <a:r>
-              <a:rPr lang="en-US" smtClean="0"/>
+              <a:rPr lang="en-US"/>
               <a:t>Click to edit Master text styles</a:t>
             </a:r>
           </a:p>
           <a:p>
             <a:pPr lvl="1"/>
             <a:r>
-              <a:rPr lang="en-US" smtClean="0"/>
+              <a:rPr lang="en-US"/>
               <a:t>Second level</a:t>
             </a:r>
           </a:p>
           <a:p>
             <a:pPr lvl="2"/>
             <a:r>
-              <a:rPr lang="en-US" smtClean="0"/>
+              <a:rPr lang="en-US"/>
               <a:t>Third level</a:t>
             </a:r>
           </a:p>
           <a:p>
             <a:pPr lvl="3"/>
             <a:r>
-              <a:rPr lang="en-US" smtClean="0"/>
+              <a:rPr lang="en-US"/>
               <a:t>Fourth level</a:t>
             </a:r>
           </a:p>
           <a:p>
             <a:pPr lvl="4"/>
             <a:r>
-              <a:rPr lang="en-US" smtClean="0"/>
+              <a:rPr lang="en-US"/>
               <a:t>Fifth level</a:t>
             </a:r>
-            <a:endParaRPr lang="en-US"/>
           </a:p>
         </p:txBody>
       </p:sp>
@@ -812,7 +820,7 @@
           <a:p>
             <a:fld id="{5BCAD085-E8A6-8845-BD4E-CB4CCA059FC4}" type="datetimeFigureOut">
               <a:rPr lang="en-US" smtClean="0"/>
-              <a:t>1/27/13</a:t>
+              <a:t>7/2/25</a:t>
             </a:fld>
             <a:endParaRPr lang="en-US"/>
           </a:p>
@@ -915,10 +923,9 @@
           </a:lstStyle>
           <a:p>
             <a:r>
-              <a:rPr lang="en-US" smtClean="0"/>
+              <a:rPr lang="en-US"/>
               <a:t>Click to edit Master title style</a:t>
             </a:r>
-            <a:endParaRPr lang="en-US"/>
           </a:p>
         </p:txBody>
       </p:sp>
@@ -1035,7 +1042,7 @@
           <a:p>
             <a:pPr lvl="0"/>
             <a:r>
-              <a:rPr lang="en-US" smtClean="0"/>
+              <a:rPr lang="en-US"/>
               <a:t>Click to edit Master text styles</a:t>
             </a:r>
           </a:p>
@@ -1058,7 +1065,7 @@
           <a:p>
             <a:fld id="{5BCAD085-E8A6-8845-BD4E-CB4CCA059FC4}" type="datetimeFigureOut">
               <a:rPr lang="en-US" smtClean="0"/>
-              <a:t>1/27/13</a:t>
+              <a:t>7/2/25</a:t>
             </a:fld>
             <a:endParaRPr lang="en-US"/>
           </a:p>
@@ -1152,10 +1159,9 @@
           <a:lstStyle/>
           <a:p>
             <a:r>
-              <a:rPr lang="en-US" smtClean="0"/>
+              <a:rPr lang="en-US"/>
               <a:t>Click to edit Master title style</a:t>
             </a:r>
-            <a:endParaRPr lang="en-US"/>
           </a:p>
         </p:txBody>
       </p:sp>
@@ -1209,38 +1215,37 @@
           <a:p>
             <a:pPr lvl="0"/>
             <a:r>
-              <a:rPr lang="en-US" smtClean="0"/>
+              <a:rPr lang="en-US"/>
               <a:t>Click to edit Master text styles</a:t>
             </a:r>
           </a:p>
           <a:p>
             <a:pPr lvl="1"/>
             <a:r>
-              <a:rPr lang="en-US" smtClean="0"/>
+              <a:rPr lang="en-US"/>
               <a:t>Second level</a:t>
             </a:r>
           </a:p>
           <a:p>
             <a:pPr lvl="2"/>
             <a:r>
-              <a:rPr lang="en-US" smtClean="0"/>
+              <a:rPr lang="en-US"/>
               <a:t>Third level</a:t>
             </a:r>
           </a:p>
           <a:p>
             <a:pPr lvl="3"/>
             <a:r>
-              <a:rPr lang="en-US" smtClean="0"/>
+              <a:rPr lang="en-US"/>
               <a:t>Fourth level</a:t>
             </a:r>
           </a:p>
           <a:p>
             <a:pPr lvl="4"/>
             <a:r>
-              <a:rPr lang="en-US" smtClean="0"/>
+              <a:rPr lang="en-US"/>
               <a:t>Fifth level</a:t>
             </a:r>
-            <a:endParaRPr lang="en-US"/>
           </a:p>
         </p:txBody>
       </p:sp>
@@ -1294,38 +1299,37 @@
           <a:p>
             <a:pPr lvl="0"/>
             <a:r>
-              <a:rPr lang="en-US" smtClean="0"/>
+              <a:rPr lang="en-US"/>
               <a:t>Click to edit Master text styles</a:t>
             </a:r>
           </a:p>
           <a:p>
             <a:pPr lvl="1"/>
             <a:r>
-              <a:rPr lang="en-US" smtClean="0"/>
+              <a:rPr lang="en-US"/>
               <a:t>Second level</a:t>
             </a:r>
           </a:p>
           <a:p>
             <a:pPr lvl="2"/>
             <a:r>
-              <a:rPr lang="en-US" smtClean="0"/>
+              <a:rPr lang="en-US"/>
               <a:t>Third level</a:t>
             </a:r>
           </a:p>
           <a:p>
             <a:pPr lvl="3"/>
             <a:r>
-              <a:rPr lang="en-US" smtClean="0"/>
+              <a:rPr lang="en-US"/>
               <a:t>Fourth level</a:t>
             </a:r>
           </a:p>
           <a:p>
             <a:pPr lvl="4"/>
             <a:r>
-              <a:rPr lang="en-US" smtClean="0"/>
+              <a:rPr lang="en-US"/>
               <a:t>Fifth level</a:t>
             </a:r>
-            <a:endParaRPr lang="en-US"/>
           </a:p>
         </p:txBody>
       </p:sp>
@@ -1346,7 +1350,7 @@
           <a:p>
             <a:fld id="{5BCAD085-E8A6-8845-BD4E-CB4CCA059FC4}" type="datetimeFigureOut">
               <a:rPr lang="en-US" smtClean="0"/>
-              <a:t>1/27/13</a:t>
+              <a:t>7/2/25</a:t>
             </a:fld>
             <a:endParaRPr lang="en-US"/>
           </a:p>
@@ -1444,10 +1448,9 @@
           </a:lstStyle>
           <a:p>
             <a:r>
-              <a:rPr lang="en-US" smtClean="0"/>
+              <a:rPr lang="en-US"/>
               <a:t>Click to edit Master title style</a:t>
             </a:r>
-            <a:endParaRPr lang="en-US"/>
           </a:p>
         </p:txBody>
       </p:sp>
@@ -1510,7 +1513,7 @@
           <a:p>
             <a:pPr lvl="0"/>
             <a:r>
-              <a:rPr lang="en-US" smtClean="0"/>
+              <a:rPr lang="en-US"/>
               <a:t>Click to edit Master text styles</a:t>
             </a:r>
           </a:p>
@@ -1566,38 +1569,37 @@
           <a:p>
             <a:pPr lvl="0"/>
             <a:r>
-              <a:rPr lang="en-US" smtClean="0"/>
+              <a:rPr lang="en-US"/>
               <a:t>Click to edit Master text styles</a:t>
             </a:r>
           </a:p>
           <a:p>
             <a:pPr lvl="1"/>
             <a:r>
-              <a:rPr lang="en-US" smtClean="0"/>
+              <a:rPr lang="en-US"/>
               <a:t>Second level</a:t>
             </a:r>
           </a:p>
           <a:p>
             <a:pPr lvl="2"/>
             <a:r>
-              <a:rPr lang="en-US" smtClean="0"/>
+              <a:rPr lang="en-US"/>
               <a:t>Third level</a:t>
             </a:r>
           </a:p>
           <a:p>
             <a:pPr lvl="3"/>
             <a:r>
-              <a:rPr lang="en-US" smtClean="0"/>
+              <a:rPr lang="en-US"/>
               <a:t>Fourth level</a:t>
             </a:r>
           </a:p>
           <a:p>
             <a:pPr lvl="4"/>
             <a:r>
-              <a:rPr lang="en-US" smtClean="0"/>
+              <a:rPr lang="en-US"/>
               <a:t>Fifth level</a:t>
             </a:r>
-            <a:endParaRPr lang="en-US"/>
           </a:p>
         </p:txBody>
       </p:sp>
@@ -1660,7 +1662,7 @@
           <a:p>
             <a:pPr lvl="0"/>
             <a:r>
-              <a:rPr lang="en-US" smtClean="0"/>
+              <a:rPr lang="en-US"/>
               <a:t>Click to edit Master text styles</a:t>
             </a:r>
           </a:p>
@@ -1716,38 +1718,37 @@
           <a:p>
             <a:pPr lvl="0"/>
             <a:r>
-              <a:rPr lang="en-US" smtClean="0"/>
+              <a:rPr lang="en-US"/>
               <a:t>Click to edit Master text styles</a:t>
             </a:r>
           </a:p>
           <a:p>
             <a:pPr lvl="1"/>
             <a:r>
-              <a:rPr lang="en-US" smtClean="0"/>
+              <a:rPr lang="en-US"/>
               <a:t>Second level</a:t>
             </a:r>
           </a:p>
           <a:p>
             <a:pPr lvl="2"/>
             <a:r>
-              <a:rPr lang="en-US" smtClean="0"/>
+              <a:rPr lang="en-US"/>
               <a:t>Third level</a:t>
             </a:r>
           </a:p>
           <a:p>
             <a:pPr lvl="3"/>
             <a:r>
-              <a:rPr lang="en-US" smtClean="0"/>
+              <a:rPr lang="en-US"/>
               <a:t>Fourth level</a:t>
             </a:r>
           </a:p>
           <a:p>
             <a:pPr lvl="4"/>
             <a:r>
-              <a:rPr lang="en-US" smtClean="0"/>
+              <a:rPr lang="en-US"/>
               <a:t>Fifth level</a:t>
             </a:r>
-            <a:endParaRPr lang="en-US"/>
           </a:p>
         </p:txBody>
       </p:sp>
@@ -1768,7 +1769,7 @@
           <a:p>
             <a:fld id="{5BCAD085-E8A6-8845-BD4E-CB4CCA059FC4}" type="datetimeFigureOut">
               <a:rPr lang="en-US" smtClean="0"/>
-              <a:t>1/27/13</a:t>
+              <a:t>7/2/25</a:t>
             </a:fld>
             <a:endParaRPr lang="en-US"/>
           </a:p>
@@ -1862,10 +1863,9 @@
           <a:lstStyle/>
           <a:p>
             <a:r>
-              <a:rPr lang="en-US" smtClean="0"/>
+              <a:rPr lang="en-US"/>
               <a:t>Click to edit Master title style</a:t>
             </a:r>
-            <a:endParaRPr lang="en-US"/>
           </a:p>
         </p:txBody>
       </p:sp>
@@ -1886,7 +1886,7 @@
           <a:p>
             <a:fld id="{5BCAD085-E8A6-8845-BD4E-CB4CCA059FC4}" type="datetimeFigureOut">
               <a:rPr lang="en-US" smtClean="0"/>
-              <a:t>1/27/13</a:t>
+              <a:t>7/2/25</a:t>
             </a:fld>
             <a:endParaRPr lang="en-US"/>
           </a:p>
@@ -1981,7 +1981,7 @@
           <a:p>
             <a:fld id="{5BCAD085-E8A6-8845-BD4E-CB4CCA059FC4}" type="datetimeFigureOut">
               <a:rPr lang="en-US" smtClean="0"/>
-              <a:t>1/27/13</a:t>
+              <a:t>7/2/25</a:t>
             </a:fld>
             <a:endParaRPr lang="en-US"/>
           </a:p>
@@ -2084,10 +2084,9 @@
           </a:lstStyle>
           <a:p>
             <a:r>
-              <a:rPr lang="en-US" smtClean="0"/>
+              <a:rPr lang="en-US"/>
               <a:t>Click to edit Master title style</a:t>
             </a:r>
-            <a:endParaRPr lang="en-US"/>
           </a:p>
         </p:txBody>
       </p:sp>
@@ -2141,38 +2140,37 @@
           <a:p>
             <a:pPr lvl="0"/>
             <a:r>
-              <a:rPr lang="en-US" smtClean="0"/>
+              <a:rPr lang="en-US"/>
               <a:t>Click to edit Master text styles</a:t>
             </a:r>
           </a:p>
           <a:p>
             <a:pPr lvl="1"/>
             <a:r>
-              <a:rPr lang="en-US" smtClean="0"/>
+              <a:rPr lang="en-US"/>
               <a:t>Second level</a:t>
             </a:r>
           </a:p>
           <a:p>
             <a:pPr lvl="2"/>
             <a:r>
-              <a:rPr lang="en-US" smtClean="0"/>
+              <a:rPr lang="en-US"/>
               <a:t>Third level</a:t>
             </a:r>
           </a:p>
           <a:p>
             <a:pPr lvl="3"/>
             <a:r>
-              <a:rPr lang="en-US" smtClean="0"/>
+              <a:rPr lang="en-US"/>
               <a:t>Fourth level</a:t>
             </a:r>
           </a:p>
           <a:p>
             <a:pPr lvl="4"/>
             <a:r>
-              <a:rPr lang="en-US" smtClean="0"/>
+              <a:rPr lang="en-US"/>
               <a:t>Fifth level</a:t>
             </a:r>
-            <a:endParaRPr lang="en-US"/>
           </a:p>
         </p:txBody>
       </p:sp>
@@ -2235,7 +2233,7 @@
           <a:p>
             <a:pPr lvl="0"/>
             <a:r>
-              <a:rPr lang="en-US" smtClean="0"/>
+              <a:rPr lang="en-US"/>
               <a:t>Click to edit Master text styles</a:t>
             </a:r>
           </a:p>
@@ -2258,7 +2256,7 @@
           <a:p>
             <a:fld id="{5BCAD085-E8A6-8845-BD4E-CB4CCA059FC4}" type="datetimeFigureOut">
               <a:rPr lang="en-US" smtClean="0"/>
-              <a:t>1/27/13</a:t>
+              <a:t>7/2/25</a:t>
             </a:fld>
             <a:endParaRPr lang="en-US"/>
           </a:p>
@@ -2361,10 +2359,9 @@
           </a:lstStyle>
           <a:p>
             <a:r>
-              <a:rPr lang="en-US" smtClean="0"/>
+              <a:rPr lang="en-US"/>
               <a:t>Click to edit Master title style</a:t>
             </a:r>
-            <a:endParaRPr lang="en-US"/>
           </a:p>
         </p:txBody>
       </p:sp>
@@ -2488,7 +2485,7 @@
           <a:p>
             <a:pPr lvl="0"/>
             <a:r>
-              <a:rPr lang="en-US" smtClean="0"/>
+              <a:rPr lang="en-US"/>
               <a:t>Click to edit Master text styles</a:t>
             </a:r>
           </a:p>
@@ -2511,7 +2508,7 @@
           <a:p>
             <a:fld id="{5BCAD085-E8A6-8845-BD4E-CB4CCA059FC4}" type="datetimeFigureOut">
               <a:rPr lang="en-US" smtClean="0"/>
-              <a:t>1/27/13</a:t>
+              <a:t>7/2/25</a:t>
             </a:fld>
             <a:endParaRPr lang="en-US"/>
           </a:p>
@@ -2620,10 +2617,9 @@
           <a:lstStyle/>
           <a:p>
             <a:r>
-              <a:rPr lang="en-US" smtClean="0"/>
+              <a:rPr lang="en-US"/>
               <a:t>Click to edit Master title style</a:t>
             </a:r>
-            <a:endParaRPr lang="en-US"/>
           </a:p>
         </p:txBody>
       </p:sp>
@@ -2654,38 +2650,37 @@
           <a:p>
             <a:pPr lvl="0"/>
             <a:r>
-              <a:rPr lang="en-US" smtClean="0"/>
+              <a:rPr lang="en-US"/>
               <a:t>Click to edit Master text styles</a:t>
             </a:r>
           </a:p>
           <a:p>
             <a:pPr lvl="1"/>
             <a:r>
-              <a:rPr lang="en-US" smtClean="0"/>
+              <a:rPr lang="en-US"/>
               <a:t>Second level</a:t>
             </a:r>
           </a:p>
           <a:p>
             <a:pPr lvl="2"/>
             <a:r>
-              <a:rPr lang="en-US" smtClean="0"/>
+              <a:rPr lang="en-US"/>
               <a:t>Third level</a:t>
             </a:r>
           </a:p>
           <a:p>
             <a:pPr lvl="3"/>
             <a:r>
-              <a:rPr lang="en-US" smtClean="0"/>
+              <a:rPr lang="en-US"/>
               <a:t>Fourth level</a:t>
             </a:r>
           </a:p>
           <a:p>
             <a:pPr lvl="4"/>
             <a:r>
-              <a:rPr lang="en-US" smtClean="0"/>
+              <a:rPr lang="en-US"/>
               <a:t>Fifth level</a:t>
             </a:r>
-            <a:endParaRPr lang="en-US"/>
           </a:p>
         </p:txBody>
       </p:sp>
@@ -2724,7 +2719,7 @@
           <a:p>
             <a:fld id="{5BCAD085-E8A6-8845-BD4E-CB4CCA059FC4}" type="datetimeFigureOut">
               <a:rPr lang="en-US" smtClean="0"/>
-              <a:t>1/27/13</a:t>
+              <a:t>7/2/25</a:t>
             </a:fld>
             <a:endParaRPr lang="en-US"/>
           </a:p>
@@ -3083,7 +3078,7 @@
 </file>
 
 <file path=ppt/slides/slide1.xml><?xml version="1.0" encoding="utf-8"?>
-<p:sld xmlns:a="http://schemas.openxmlformats.org/drawingml/2006/main" xmlns:p="http://schemas.openxmlformats.org/presentationml/2006/main" xmlns:r="http://schemas.openxmlformats.org/officeDocument/2006/relationships">
+<p:sld xmlns:a="http://schemas.openxmlformats.org/drawingml/2006/main" xmlns:r="http://schemas.openxmlformats.org/officeDocument/2006/relationships" xmlns:p="http://schemas.openxmlformats.org/presentationml/2006/main">
   <p:cSld>
     <p:spTree>
       <p:nvGrpSpPr>
@@ -3091,7 +3086,14 @@
         <p:cNvGrpSpPr/>
         <p:nvPr/>
       </p:nvGrpSpPr>
-      <p:grpSpPr/>
+      <p:grpSpPr>
+        <a:xfrm>
+          <a:off x="0" y="0"/>
+          <a:ext cx="0" cy="0"/>
+          <a:chOff x="0" y="0"/>
+          <a:chExt cx="0" cy="0"/>
+        </a:xfrm>
+      </p:grpSpPr>
       <p:sp>
         <p:nvSpPr>
           <p:cNvPr id="2" name="Title 1"/>
@@ -3143,7 +3145,7 @@
 </file>
 
 <file path=ppt/slides/slide2.xml><?xml version="1.0" encoding="utf-8"?>
-<p:sld xmlns:a="http://schemas.openxmlformats.org/drawingml/2006/main" xmlns:p="http://schemas.openxmlformats.org/presentationml/2006/main" xmlns:r="http://schemas.openxmlformats.org/officeDocument/2006/relationships">
+<p:sld xmlns:a="http://schemas.openxmlformats.org/drawingml/2006/main" xmlns:r="http://schemas.openxmlformats.org/officeDocument/2006/relationships" xmlns:p="http://schemas.openxmlformats.org/presentationml/2006/main">
   <p:cSld>
     <p:spTree>
       <p:nvGrpSpPr>
@@ -3151,7 +3153,14 @@
         <p:cNvGrpSpPr/>
         <p:nvPr/>
       </p:nvGrpSpPr>
-      <p:grpSpPr/>
+      <p:grpSpPr>
+        <a:xfrm>
+          <a:off x="0" y="0"/>
+          <a:ext cx="0" cy="0"/>
+          <a:chOff x="0" y="0"/>
+          <a:chExt cx="0" cy="0"/>
+        </a:xfrm>
+      </p:grpSpPr>
       <p:sp>
         <p:nvSpPr>
           <p:cNvPr id="2" name="Title 1"/>
@@ -3209,197 +3218,6 @@
             <a:r>
               <a:t>Step 3: Validate and finalize</a:t>
             </a:r>
-          </a:p>
-        </p:txBody>
-      </p:sp>
-      <p:sp>
-        <p:nvSpPr>
-          <p:cNvPr id="4" name="Rectangle 3"/>
-          <p:cNvSpPr/>
-          <p:nvPr/>
-        </p:nvSpPr>
-        <p:spPr>
-          <a:xfrm>
-            <a:off x="457200" y="3200400"/>
-            <a:ext cx="1828800" cy="731520"/>
-          </a:xfrm>
-          <a:prstGeom prst="rect">
-            <a:avLst/>
-          </a:prstGeom>
-        </p:spPr>
-        <p:style>
-          <a:lnRef idx="1">
-            <a:schemeClr val="accent1"/>
-          </a:lnRef>
-          <a:fillRef idx="3">
-            <a:schemeClr val="accent1"/>
-          </a:fillRef>
-          <a:effectRef idx="2">
-            <a:schemeClr val="accent1"/>
-          </a:effectRef>
-          <a:fontRef idx="minor">
-            <a:schemeClr val="lt1"/>
-          </a:fontRef>
-        </p:style>
-        <p:txBody>
-          <a:bodyPr rtlCol="0" anchor="ctr"/>
-          <a:lstStyle/>
-          <a:p>
-            <a:r>
-              <a:t>Step 1</a:t>
-            </a:r>
-          </a:p>
-        </p:txBody>
-      </p:sp>
-      <p:sp>
-        <p:nvSpPr>
-          <p:cNvPr id="5" name="Rectangle 4"/>
-          <p:cNvSpPr/>
-          <p:nvPr/>
-        </p:nvSpPr>
-        <p:spPr>
-          <a:xfrm>
-            <a:off x="2743200" y="3200400"/>
-            <a:ext cx="1828800" cy="731520"/>
-          </a:xfrm>
-          <a:prstGeom prst="rect">
-            <a:avLst/>
-          </a:prstGeom>
-        </p:spPr>
-        <p:style>
-          <a:lnRef idx="1">
-            <a:schemeClr val="accent1"/>
-          </a:lnRef>
-          <a:fillRef idx="3">
-            <a:schemeClr val="accent1"/>
-          </a:fillRef>
-          <a:effectRef idx="2">
-            <a:schemeClr val="accent1"/>
-          </a:effectRef>
-          <a:fontRef idx="minor">
-            <a:schemeClr val="lt1"/>
-          </a:fontRef>
-        </p:style>
-        <p:txBody>
-          <a:bodyPr rtlCol="0" anchor="ctr"/>
-          <a:lstStyle/>
-          <a:p>
-            <a:r>
-              <a:t>Step 2</a:t>
-            </a:r>
-          </a:p>
-        </p:txBody>
-      </p:sp>
-      <p:sp>
-        <p:nvSpPr>
-          <p:cNvPr id="6" name="Rectangle 5"/>
-          <p:cNvSpPr/>
-          <p:nvPr/>
-        </p:nvSpPr>
-        <p:spPr>
-          <a:xfrm>
-            <a:off x="5029200" y="3200400"/>
-            <a:ext cx="1828800" cy="731520"/>
-          </a:xfrm>
-          <a:prstGeom prst="rect">
-            <a:avLst/>
-          </a:prstGeom>
-        </p:spPr>
-        <p:style>
-          <a:lnRef idx="1">
-            <a:schemeClr val="accent1"/>
-          </a:lnRef>
-          <a:fillRef idx="3">
-            <a:schemeClr val="accent1"/>
-          </a:fillRef>
-          <a:effectRef idx="2">
-            <a:schemeClr val="accent1"/>
-          </a:effectRef>
-          <a:fontRef idx="minor">
-            <a:schemeClr val="lt1"/>
-          </a:fontRef>
-        </p:style>
-        <p:txBody>
-          <a:bodyPr rtlCol="0" anchor="ctr"/>
-          <a:lstStyle/>
-          <a:p>
-            <a:r>
-              <a:t>Step 3</a:t>
-            </a:r>
-          </a:p>
-        </p:txBody>
-      </p:sp>
-      <p:sp>
-        <p:nvSpPr>
-          <p:cNvPr id="7" name="Right Arrow 6"/>
-          <p:cNvSpPr/>
-          <p:nvPr/>
-        </p:nvSpPr>
-        <p:spPr>
-          <a:xfrm>
-            <a:off x="2286000" y="3383280"/>
-            <a:ext cx="457200" cy="731520"/>
-          </a:xfrm>
-          <a:prstGeom prst="rightArrow">
-            <a:avLst/>
-          </a:prstGeom>
-        </p:spPr>
-        <p:style>
-          <a:lnRef idx="1">
-            <a:schemeClr val="accent1"/>
-          </a:lnRef>
-          <a:fillRef idx="3">
-            <a:schemeClr val="accent1"/>
-          </a:fillRef>
-          <a:effectRef idx="2">
-            <a:schemeClr val="accent1"/>
-          </a:effectRef>
-          <a:fontRef idx="minor">
-            <a:schemeClr val="lt1"/>
-          </a:fontRef>
-        </p:style>
-        <p:txBody>
-          <a:bodyPr rtlCol="0" anchor="ctr"/>
-          <a:lstStyle/>
-          <a:p>
-            <a:pPr algn="ctr"/>
-          </a:p>
-        </p:txBody>
-      </p:sp>
-      <p:sp>
-        <p:nvSpPr>
-          <p:cNvPr id="8" name="Right Arrow 7"/>
-          <p:cNvSpPr/>
-          <p:nvPr/>
-        </p:nvSpPr>
-        <p:spPr>
-          <a:xfrm>
-            <a:off x="4572000" y="3383280"/>
-            <a:ext cx="457200" cy="731520"/>
-          </a:xfrm>
-          <a:prstGeom prst="rightArrow">
-            <a:avLst/>
-          </a:prstGeom>
-        </p:spPr>
-        <p:style>
-          <a:lnRef idx="1">
-            <a:schemeClr val="accent1"/>
-          </a:lnRef>
-          <a:fillRef idx="3">
-            <a:schemeClr val="accent1"/>
-          </a:fillRef>
-          <a:effectRef idx="2">
-            <a:schemeClr val="accent1"/>
-          </a:effectRef>
-          <a:fontRef idx="minor">
-            <a:schemeClr val="lt1"/>
-          </a:fontRef>
-        </p:style>
-        <p:txBody>
-          <a:bodyPr rtlCol="0" anchor="ctr"/>
-          <a:lstStyle/>
-          <a:p>
-            <a:pPr algn="ctr"/>
           </a:p>
         </p:txBody>
       </p:sp>
@@ -3412,7 +3230,7 @@
 </file>
 
 <file path=ppt/slides/slide3.xml><?xml version="1.0" encoding="utf-8"?>
-<p:sld xmlns:a="http://schemas.openxmlformats.org/drawingml/2006/main" xmlns:p="http://schemas.openxmlformats.org/presentationml/2006/main" xmlns:r="http://schemas.openxmlformats.org/officeDocument/2006/relationships">
+<p:sld xmlns:a="http://schemas.openxmlformats.org/drawingml/2006/main" xmlns:r="http://schemas.openxmlformats.org/officeDocument/2006/relationships" xmlns:p="http://schemas.openxmlformats.org/presentationml/2006/main">
   <p:cSld>
     <p:spTree>
       <p:nvGrpSpPr>
@@ -3420,7 +3238,14 @@
         <p:cNvGrpSpPr/>
         <p:nvPr/>
       </p:nvGrpSpPr>
-      <p:grpSpPr/>
+      <p:grpSpPr>
+        <a:xfrm>
+          <a:off x="0" y="0"/>
+          <a:ext cx="0" cy="0"/>
+          <a:chOff x="0" y="0"/>
+          <a:chExt cx="0" cy="0"/>
+        </a:xfrm>
+      </p:grpSpPr>
       <p:sp>
         <p:nvSpPr>
           <p:cNvPr id="2" name="Title 1"/>
@@ -3477,123 +3302,6 @@
             <a:pPr lvl="1"/>
             <a:r>
               <a:t>Execute and adapt dynamically</a:t>
-            </a:r>
-          </a:p>
-        </p:txBody>
-      </p:sp>
-      <p:sp>
-        <p:nvSpPr>
-          <p:cNvPr id="4" name="Diamond 3"/>
-          <p:cNvSpPr/>
-          <p:nvPr/>
-        </p:nvSpPr>
-        <p:spPr>
-          <a:xfrm>
-            <a:off x="2743200" y="3200400"/>
-            <a:ext cx="1828800" cy="914400"/>
-          </a:xfrm>
-          <a:prstGeom prst="diamond">
-            <a:avLst/>
-          </a:prstGeom>
-        </p:spPr>
-        <p:style>
-          <a:lnRef idx="1">
-            <a:schemeClr val="accent1"/>
-          </a:lnRef>
-          <a:fillRef idx="3">
-            <a:schemeClr val="accent1"/>
-          </a:fillRef>
-          <a:effectRef idx="2">
-            <a:schemeClr val="accent1"/>
-          </a:effectRef>
-          <a:fontRef idx="minor">
-            <a:schemeClr val="lt1"/>
-          </a:fontRef>
-        </p:style>
-        <p:txBody>
-          <a:bodyPr rtlCol="0" anchor="ctr"/>
-          <a:lstStyle/>
-          <a:p>
-            <a:r>
-              <a:t>Input Context</a:t>
-            </a:r>
-          </a:p>
-        </p:txBody>
-      </p:sp>
-      <p:sp>
-        <p:nvSpPr>
-          <p:cNvPr id="5" name="Chevron 4"/>
-          <p:cNvSpPr/>
-          <p:nvPr/>
-        </p:nvSpPr>
-        <p:spPr>
-          <a:xfrm>
-            <a:off x="914400" y="3200400"/>
-            <a:ext cx="1371600" cy="731520"/>
-          </a:xfrm>
-          <a:prstGeom prst="chevron">
-            <a:avLst/>
-          </a:prstGeom>
-        </p:spPr>
-        <p:style>
-          <a:lnRef idx="1">
-            <a:schemeClr val="accent1"/>
-          </a:lnRef>
-          <a:fillRef idx="3">
-            <a:schemeClr val="accent1"/>
-          </a:fillRef>
-          <a:effectRef idx="2">
-            <a:schemeClr val="accent1"/>
-          </a:effectRef>
-          <a:fontRef idx="minor">
-            <a:schemeClr val="lt1"/>
-          </a:fontRef>
-        </p:style>
-        <p:txBody>
-          <a:bodyPr rtlCol="0" anchor="ctr"/>
-          <a:lstStyle/>
-          <a:p>
-            <a:r>
-              <a:t>Tool A</a:t>
-            </a:r>
-          </a:p>
-        </p:txBody>
-      </p:sp>
-      <p:sp>
-        <p:nvSpPr>
-          <p:cNvPr id="6" name="Chevron 5"/>
-          <p:cNvSpPr/>
-          <p:nvPr/>
-        </p:nvSpPr>
-        <p:spPr>
-          <a:xfrm>
-            <a:off x="5486400" y="3200400"/>
-            <a:ext cx="1371600" cy="731520"/>
-          </a:xfrm>
-          <a:prstGeom prst="chevron">
-            <a:avLst/>
-          </a:prstGeom>
-        </p:spPr>
-        <p:style>
-          <a:lnRef idx="1">
-            <a:schemeClr val="accent1"/>
-          </a:lnRef>
-          <a:fillRef idx="3">
-            <a:schemeClr val="accent1"/>
-          </a:fillRef>
-          <a:effectRef idx="2">
-            <a:schemeClr val="accent1"/>
-          </a:effectRef>
-          <a:fontRef idx="minor">
-            <a:schemeClr val="lt1"/>
-          </a:fontRef>
-        </p:style>
-        <p:txBody>
-          <a:bodyPr rtlCol="0" anchor="ctr"/>
-          <a:lstStyle/>
-          <a:p>
-            <a:r>
-              <a:t>Tool B</a:t>
             </a:r>
           </a:p>
         </p:txBody>
@@ -3607,7 +3315,7 @@
 </file>
 
 <file path=ppt/slides/slide4.xml><?xml version="1.0" encoding="utf-8"?>
-<p:sld xmlns:a="http://schemas.openxmlformats.org/drawingml/2006/main" xmlns:p="http://schemas.openxmlformats.org/presentationml/2006/main" xmlns:r="http://schemas.openxmlformats.org/officeDocument/2006/relationships">
+<p:sld xmlns:a="http://schemas.openxmlformats.org/drawingml/2006/main" xmlns:r="http://schemas.openxmlformats.org/officeDocument/2006/relationships" xmlns:p="http://schemas.openxmlformats.org/presentationml/2006/main">
   <p:cSld>
     <p:spTree>
       <p:nvGrpSpPr>
@@ -3615,7 +3323,14 @@
         <p:cNvGrpSpPr/>
         <p:nvPr/>
       </p:nvGrpSpPr>
-      <p:grpSpPr/>
+      <p:grpSpPr>
+        <a:xfrm>
+          <a:off x="0" y="0"/>
+          <a:ext cx="0" cy="0"/>
+          <a:chOff x="0" y="0"/>
+          <a:chExt cx="0" cy="0"/>
+        </a:xfrm>
+      </p:grpSpPr>
       <p:sp>
         <p:nvSpPr>
           <p:cNvPr id="2" name="Title 1"/>
@@ -3651,27 +3366,25 @@
         <p:txBody>
           <a:bodyPr/>
           <a:lstStyle/>
-          <a:p/>
-          <a:p>
-            <a:pPr/>
+          <a:p>
+            <a:endParaRPr/>
+          </a:p>
+          <a:p>
             <a:r>
               <a:t>Use Workflow for predictable, repeatable tasks with clear steps</a:t>
             </a:r>
           </a:p>
           <a:p>
-            <a:pPr/>
             <a:r>
               <a:t>Use Agent for complex, unpredictable scenarios requiring flexibility</a:t>
             </a:r>
           </a:p>
           <a:p>
-            <a:pPr/>
             <a:r>
               <a:t>Workflows are easier to monitor and debug</a:t>
             </a:r>
           </a:p>
           <a:p>
-            <a:pPr/>
             <a:r>
               <a:t>Agents excel when dynamic decision-making and tool integration are needed</a:t>
             </a:r>
@@ -3687,7 +3400,7 @@
 </file>
 
 <file path=ppt/slides/slide5.xml><?xml version="1.0" encoding="utf-8"?>
-<p:sld xmlns:a="http://schemas.openxmlformats.org/drawingml/2006/main" xmlns:p="http://schemas.openxmlformats.org/presentationml/2006/main" xmlns:r="http://schemas.openxmlformats.org/officeDocument/2006/relationships">
+<p:sld xmlns:a="http://schemas.openxmlformats.org/drawingml/2006/main" xmlns:r="http://schemas.openxmlformats.org/officeDocument/2006/relationships" xmlns:p="http://schemas.openxmlformats.org/presentationml/2006/main">
   <p:cSld>
     <p:spTree>
       <p:nvGrpSpPr>
@@ -3695,7 +3408,14 @@
         <p:cNvGrpSpPr/>
         <p:nvPr/>
       </p:nvGrpSpPr>
-      <p:grpSpPr/>
+      <p:grpSpPr>
+        <a:xfrm>
+          <a:off x="0" y="0"/>
+          <a:ext cx="0" cy="0"/>
+          <a:chOff x="0" y="0"/>
+          <a:chExt cx="0" cy="0"/>
+        </a:xfrm>
+      </p:grpSpPr>
       <p:sp>
         <p:nvSpPr>
           <p:cNvPr id="2" name="Title 1"/>
@@ -3731,21 +3451,20 @@
         <p:txBody>
           <a:bodyPr/>
           <a:lstStyle/>
-          <a:p/>
-          <a:p>
-            <a:pPr/>
+          <a:p>
+            <a:endParaRPr/>
+          </a:p>
+          <a:p>
             <a:r>
               <a:t>Fixed workflows ensure reliability and simplicity</a:t>
             </a:r>
           </a:p>
           <a:p>
-            <a:pPr/>
             <a:r>
               <a:t>Dynamic agents offer adaptability and scalability</a:t>
             </a:r>
           </a:p>
           <a:p>
-            <a:pPr/>
             <a:r>
               <a:t>Choose based on task complexity, variability, and monitoring needs</a:t>
             </a:r>
